--- a/linear-list/2022秋季-数据结构-第1章-概论.pptx
+++ b/linear-list/2022秋季-数据结构-第1章-概论.pptx
@@ -128,7 +128,7 @@
       </a:defRPr>
     </a:lvl9pPr>
   </p:defaultTextStyle>
-  <p:modifyVerifier cryptProviderType="rsaFull" cryptAlgorithmClass="hash" cryptAlgorithmType="typeAny" cryptAlgorithmSid="4" spinCount="100000" saltData="2SZXpxSn8mz3lpLUS9mf6Q==" hashData="cdKw0XofCxkWQQG/5Ml4ryFrT5k="/>
+  <p:modifyVerifier cryptProviderType="rsaFull" cryptAlgorithmClass="hash" cryptAlgorithmType="typeAny" cryptAlgorithmSid="4" spinCount="100000" saltData="VfVkpKWvHJTIa4DB89DwKw==" hashData="XK+8lXbFBSqUoqW8kVGU47qoQXU="/>
 </p:presentation>
 </file>
 
@@ -4153,10 +4153,13 @@
         <p:spPr/>
         <p:txBody>
           <a:bodyPr vert="horz" lIns="91440" tIns="45720" rIns="91440" bIns="45720" rtlCol="0">
-            <a:normAutofit/>
+            <a:normAutofit lnSpcReduction="20000"/>
           </a:bodyPr>
           <a:p>
             <a:pPr lvl="0" algn="l">
+              <a:lnSpc>
+                <a:spcPct val="100000"/>
+              </a:lnSpc>
               <a:buClrTx/>
               <a:buSzTx/>
               <a:buFont typeface="Wingdings" panose="05000000000000000000" charset="0"/>
@@ -4167,7 +4170,14 @@
                 <a:latin typeface="黑体" charset="0"/>
                 <a:sym typeface="+mn-ea"/>
               </a:rPr>
-              <a:t>数据类型：数据对象的类型确定了其“操作集”和“数据定义域”</a:t>
+              <a:t>“数据类型”描述两方面的</a:t>
+            </a:r>
+            <a:r>
+              <a:rPr lang="zh-CN" altLang="en-US">
+                <a:latin typeface="黑体" charset="0"/>
+                <a:sym typeface="+mn-ea"/>
+              </a:rPr>
+              <a:t>内容：</a:t>
             </a:r>
             <a:endParaRPr lang="zh-CN" altLang="en-US">
               <a:latin typeface="黑体" charset="0"/>
@@ -4175,7 +4185,90 @@
             </a:endParaRPr>
           </a:p>
           <a:p>
+            <a:pPr lvl="1" algn="l">
+              <a:lnSpc>
+                <a:spcPct val="100000"/>
+              </a:lnSpc>
+              <a:buClrTx/>
+              <a:buSzTx/>
+              <a:buFont typeface="Wingdings" panose="05000000000000000000" charset="0"/>
+              <a:buChar char=""/>
+            </a:pPr>
+            <a:r>
+              <a:rPr lang="zh-CN" altLang="en-US">
+                <a:latin typeface="黑体" charset="0"/>
+                <a:sym typeface="+mn-ea"/>
+              </a:rPr>
+              <a:t>数据对象</a:t>
+            </a:r>
+            <a:r>
+              <a:rPr lang="zh-CN" altLang="en-US">
+                <a:latin typeface="黑体" charset="0"/>
+                <a:sym typeface="+mn-ea"/>
+              </a:rPr>
+              <a:t>集</a:t>
+            </a:r>
+            <a:endParaRPr lang="zh-CN" altLang="en-US">
+              <a:latin typeface="黑体" charset="0"/>
+              <a:sym typeface="+mn-ea"/>
+            </a:endParaRPr>
+          </a:p>
+          <a:p>
+            <a:pPr lvl="1" algn="l">
+              <a:lnSpc>
+                <a:spcPct val="100000"/>
+              </a:lnSpc>
+              <a:buClrTx/>
+              <a:buSzTx/>
+              <a:buFont typeface="Wingdings" panose="05000000000000000000" charset="0"/>
+              <a:buChar char=""/>
+            </a:pPr>
+            <a:r>
+              <a:rPr lang="zh-CN" altLang="en-US">
+                <a:latin typeface="黑体" charset="0"/>
+                <a:sym typeface="+mn-ea"/>
+              </a:rPr>
+              <a:t>与数据集合相关联的操作</a:t>
+            </a:r>
+            <a:r>
+              <a:rPr lang="zh-CN" altLang="en-US">
+                <a:latin typeface="黑体" charset="0"/>
+                <a:sym typeface="+mn-ea"/>
+              </a:rPr>
+              <a:t>集</a:t>
+            </a:r>
+            <a:endParaRPr lang="zh-CN" altLang="en-US">
+              <a:latin typeface="黑体" charset="0"/>
+              <a:sym typeface="+mn-ea"/>
+            </a:endParaRPr>
+          </a:p>
+          <a:p>
             <a:pPr lvl="0" algn="l">
+              <a:lnSpc>
+                <a:spcPct val="100000"/>
+              </a:lnSpc>
+              <a:buClrTx/>
+              <a:buSzTx/>
+              <a:buFont typeface="Wingdings" panose="05000000000000000000" charset="0"/>
+              <a:buChar char=""/>
+            </a:pPr>
+            <a:r>
+              <a:rPr lang="zh-CN" altLang="en-US">
+                <a:latin typeface="黑体" charset="0"/>
+                <a:sym typeface="+mn-ea"/>
+              </a:rPr>
+              <a:t>抽象数据类型：“抽象”的意思，是指我们描述数据类型的方法是不依赖于具体实现的，即数据对象集和操作集的描述与存放数据的机器无关、与数据存储的物理结构无关、与实现操作的算法和编程语言均无关</a:t>
+            </a:r>
+            <a:endParaRPr lang="zh-CN" altLang="en-US">
+              <a:latin typeface="黑体" charset="0"/>
+              <a:sym typeface="+mn-ea"/>
+            </a:endParaRPr>
+          </a:p>
+          <a:p>
+            <a:pPr lvl="0" algn="l">
+              <a:lnSpc>
+                <a:spcPct val="100000"/>
+              </a:lnSpc>
               <a:buClrTx/>
               <a:buSzTx/>
               <a:buFont typeface="Wingdings" panose="05000000000000000000" charset="0"/>
@@ -4188,37 +4281,9 @@
           </a:p>
           <a:p>
             <a:pPr lvl="0" algn="l">
-              <a:buClrTx/>
-              <a:buSzTx/>
-              <a:buFont typeface="Wingdings" panose="05000000000000000000" charset="0"/>
-              <a:buChar char=""/>
-            </a:pPr>
-            <a:r>
-              <a:rPr lang="zh-CN" altLang="en-US">
-                <a:latin typeface="黑体" charset="0"/>
-                <a:sym typeface="+mn-ea"/>
-              </a:rPr>
-              <a:t>抽象数据类型：“抽象”的意思，是指我们描述数据类型的方法是不依赖于具体实现的，即数据对象集和操作集的描述与存放数据的机器无关、与数据存储的物理结构无关、与实现操作的算法和编程语言均无关</a:t>
-            </a:r>
-            <a:endParaRPr lang="zh-CN" altLang="en-US">
-              <a:latin typeface="黑体" charset="0"/>
-              <a:sym typeface="+mn-ea"/>
-            </a:endParaRPr>
-          </a:p>
-          <a:p>
-            <a:pPr lvl="0" algn="l">
-              <a:buClrTx/>
-              <a:buSzTx/>
-              <a:buFont typeface="Wingdings" panose="05000000000000000000" charset="0"/>
-              <a:buChar char=""/>
-            </a:pPr>
-            <a:endParaRPr lang="zh-CN" altLang="en-US">
-              <a:latin typeface="黑体" charset="0"/>
-              <a:sym typeface="+mn-ea"/>
-            </a:endParaRPr>
-          </a:p>
-          <a:p>
-            <a:pPr lvl="0" algn="l">
+              <a:lnSpc>
+                <a:spcPct val="100000"/>
+              </a:lnSpc>
               <a:buClrTx/>
               <a:buSzTx/>
               <a:buFont typeface="Wingdings" panose="05000000000000000000" charset="0"/>
@@ -5242,31 +5307,35 @@
                 <a:latin typeface="黑体" charset="0"/>
                 <a:ea typeface="黑体" charset="0"/>
               </a:rPr>
-              <a:t>数据结构（</a:t>
+              <a:t>数据结构</a:t>
+            </a:r>
+            <a:r>
+              <a:rPr lang="zh-CN" altLang="en-US">
+                <a:latin typeface="黑体" charset="0"/>
+                <a:sym typeface="+mn-ea"/>
+              </a:rPr>
+              <a:t>（</a:t>
             </a:r>
             <a:r>
               <a:rPr lang="en-US" altLang="zh-CN">
                 <a:latin typeface="黑体" charset="0"/>
-                <a:ea typeface="黑体" charset="0"/>
-              </a:rPr>
-              <a:t>Data Structure)</a:t>
-            </a:r>
-            <a:endParaRPr lang="zh-CN" altLang="en-US">
-              <a:latin typeface="黑体" charset="0"/>
-              <a:ea typeface="黑体" charset="0"/>
-            </a:endParaRPr>
-          </a:p>
-          <a:p>
-            <a:pPr>
-              <a:buFont typeface="Wingdings" panose="05000000000000000000" charset="0"/>
-              <a:buChar char=""/>
-            </a:pPr>
+                <a:sym typeface="+mn-ea"/>
+              </a:rPr>
+              <a:t>Data Structure</a:t>
+            </a:r>
             <a:r>
               <a:rPr lang="zh-CN" altLang="en-US">
                 <a:latin typeface="黑体" charset="0"/>
-                <a:ea typeface="黑体" charset="0"/>
-              </a:rPr>
-              <a:t>数据结构是</a:t>
+                <a:sym typeface="+mn-ea"/>
+              </a:rPr>
+              <a:t>）</a:t>
+            </a:r>
+            <a:r>
+              <a:rPr lang="zh-CN" altLang="en-US">
+                <a:latin typeface="黑体" charset="0"/>
+                <a:ea typeface="黑体" charset="0"/>
+              </a:rPr>
+              <a:t>是</a:t>
             </a:r>
             <a:r>
               <a:rPr lang="zh-CN" altLang="en-US">
@@ -5304,7 +5373,14 @@
                 <a:latin typeface="黑体" charset="0"/>
                 <a:ea typeface="黑体" charset="0"/>
               </a:rPr>
-              <a:t>精心选择的</a:t>
+              <a:t>通常情况</a:t>
+            </a:r>
+            <a:r>
+              <a:rPr lang="zh-CN" altLang="en-US">
+                <a:latin typeface="黑体" charset="0"/>
+                <a:ea typeface="黑体" charset="0"/>
+              </a:rPr>
+              <a:t>下，精心选择的</a:t>
             </a:r>
             <a:r>
               <a:rPr lang="zh-CN" altLang="en-US">
